--- a/docs/products/business_plan_profile.pptx
+++ b/docs/products/business_plan_profile.pptx
@@ -5,10 +5,10 @@
     <p:sldMasterId id="2147483648" r:id="rId1"/>
   </p:sldMasterIdLst>
   <p:sldIdLst>
-    <p:sldId id="256" r:id="rId3"/>
+    <p:sldId id="256" r:id="rId2"/>
   </p:sldIdLst>
   <p:sldSz cx="12192000" cy="6858000"/>
-  <p:notesSz cx="7103745" cy="10234295"/>
+  <p:notesSz cx="7104063" cy="10234613"/>
   <p:defaultTextStyle>
     <a:defPPr>
       <a:defRPr lang="en-US"/>
@@ -238,6 +238,7 @@
           <a:p>
             <a:fld id="{FDE934FF-F4E1-47C5-9CA5-30A81DDE2BE4}" type="datetimeFigureOut">
               <a:rPr lang="en-US" smtClean="0"/>
+              <a:t>9/21/2017</a:t>
             </a:fld>
             <a:endParaRPr lang="en-US"/>
           </a:p>
@@ -279,6 +280,7 @@
           <a:p>
             <a:fld id="{B3561BA9-CDCF-4958-B8AB-66F3BF063E13}" type="slidenum">
               <a:rPr lang="en-US" smtClean="0"/>
+              <a:t>‹#›</a:t>
             </a:fld>
             <a:endParaRPr lang="en-US"/>
           </a:p>
@@ -334,7 +336,6 @@
               <a:rPr lang="en-US" smtClean="0"/>
               <a:t>Click to edit Master text styles</a:t>
             </a:r>
-            <a:endParaRPr lang="en-US" smtClean="0"/>
           </a:p>
           <a:p>
             <a:pPr lvl="1"/>
@@ -342,7 +343,6 @@
               <a:rPr lang="en-US" smtClean="0"/>
               <a:t>Second level</a:t>
             </a:r>
-            <a:endParaRPr lang="en-US" smtClean="0"/>
           </a:p>
           <a:p>
             <a:pPr lvl="2"/>
@@ -350,7 +350,6 @@
               <a:rPr lang="en-US" smtClean="0"/>
               <a:t>Third level</a:t>
             </a:r>
-            <a:endParaRPr lang="en-US" smtClean="0"/>
           </a:p>
           <a:p>
             <a:pPr lvl="3"/>
@@ -358,7 +357,6 @@
               <a:rPr lang="en-US" smtClean="0"/>
               <a:t>Fourth level</a:t>
             </a:r>
-            <a:endParaRPr lang="en-US" smtClean="0"/>
           </a:p>
           <a:p>
             <a:pPr lvl="4"/>
@@ -387,6 +385,7 @@
           <a:p>
             <a:fld id="{FDE934FF-F4E1-47C5-9CA5-30A81DDE2BE4}" type="datetimeFigureOut">
               <a:rPr lang="en-US" smtClean="0"/>
+              <a:t>9/21/2017</a:t>
             </a:fld>
             <a:endParaRPr lang="en-US"/>
           </a:p>
@@ -428,6 +427,7 @@
           <a:p>
             <a:fld id="{B3561BA9-CDCF-4958-B8AB-66F3BF063E13}" type="slidenum">
               <a:rPr lang="en-US" smtClean="0"/>
+              <a:t>‹#›</a:t>
             </a:fld>
             <a:endParaRPr lang="en-US"/>
           </a:p>
@@ -501,7 +501,6 @@
               <a:rPr lang="en-US" smtClean="0"/>
               <a:t>Click to edit Master text styles</a:t>
             </a:r>
-            <a:endParaRPr lang="en-US" smtClean="0"/>
           </a:p>
           <a:p>
             <a:pPr lvl="1"/>
@@ -509,7 +508,6 @@
               <a:rPr lang="en-US" smtClean="0"/>
               <a:t>Second level</a:t>
             </a:r>
-            <a:endParaRPr lang="en-US" smtClean="0"/>
           </a:p>
           <a:p>
             <a:pPr lvl="2"/>
@@ -517,7 +515,6 @@
               <a:rPr lang="en-US" smtClean="0"/>
               <a:t>Third level</a:t>
             </a:r>
-            <a:endParaRPr lang="en-US" smtClean="0"/>
           </a:p>
           <a:p>
             <a:pPr lvl="3"/>
@@ -525,7 +522,6 @@
               <a:rPr lang="en-US" smtClean="0"/>
               <a:t>Fourth level</a:t>
             </a:r>
-            <a:endParaRPr lang="en-US" smtClean="0"/>
           </a:p>
           <a:p>
             <a:pPr lvl="4"/>
@@ -554,6 +550,7 @@
           <a:p>
             <a:fld id="{FDE934FF-F4E1-47C5-9CA5-30A81DDE2BE4}" type="datetimeFigureOut">
               <a:rPr lang="en-US" smtClean="0"/>
+              <a:t>9/21/2017</a:t>
             </a:fld>
             <a:endParaRPr lang="en-US"/>
           </a:p>
@@ -595,6 +592,7 @@
           <a:p>
             <a:fld id="{B3561BA9-CDCF-4958-B8AB-66F3BF063E13}" type="slidenum">
               <a:rPr lang="en-US" smtClean="0"/>
+              <a:t>‹#›</a:t>
             </a:fld>
             <a:endParaRPr lang="en-US"/>
           </a:p>
@@ -773,7 +771,6 @@
               <a:rPr lang="en-US" smtClean="0"/>
               <a:t>Click to edit Master text styles</a:t>
             </a:r>
-            <a:endParaRPr lang="en-US" smtClean="0"/>
           </a:p>
         </p:txBody>
       </p:sp>
@@ -794,6 +791,7 @@
           <a:p>
             <a:fld id="{FDE934FF-F4E1-47C5-9CA5-30A81DDE2BE4}" type="datetimeFigureOut">
               <a:rPr lang="en-US" smtClean="0"/>
+              <a:t>9/21/2017</a:t>
             </a:fld>
             <a:endParaRPr lang="en-US"/>
           </a:p>
@@ -835,6 +833,7 @@
           <a:p>
             <a:fld id="{B3561BA9-CDCF-4958-B8AB-66F3BF063E13}" type="slidenum">
               <a:rPr lang="en-US" smtClean="0"/>
+              <a:t>‹#›</a:t>
             </a:fld>
             <a:endParaRPr lang="en-US"/>
           </a:p>
@@ -913,7 +912,6 @@
               <a:rPr lang="en-US" smtClean="0"/>
               <a:t>Click to edit Master text styles</a:t>
             </a:r>
-            <a:endParaRPr lang="en-US" smtClean="0"/>
           </a:p>
           <a:p>
             <a:pPr lvl="1"/>
@@ -921,7 +919,6 @@
               <a:rPr lang="en-US" smtClean="0"/>
               <a:t>Second level</a:t>
             </a:r>
-            <a:endParaRPr lang="en-US" smtClean="0"/>
           </a:p>
           <a:p>
             <a:pPr lvl="2"/>
@@ -929,7 +926,6 @@
               <a:rPr lang="en-US" smtClean="0"/>
               <a:t>Third level</a:t>
             </a:r>
-            <a:endParaRPr lang="en-US" smtClean="0"/>
           </a:p>
           <a:p>
             <a:pPr lvl="3"/>
@@ -937,7 +933,6 @@
               <a:rPr lang="en-US" smtClean="0"/>
               <a:t>Fourth level</a:t>
             </a:r>
-            <a:endParaRPr lang="en-US" smtClean="0"/>
           </a:p>
           <a:p>
             <a:pPr lvl="4"/>
@@ -974,7 +969,6 @@
               <a:rPr lang="en-US" smtClean="0"/>
               <a:t>Click to edit Master text styles</a:t>
             </a:r>
-            <a:endParaRPr lang="en-US" smtClean="0"/>
           </a:p>
           <a:p>
             <a:pPr lvl="1"/>
@@ -982,7 +976,6 @@
               <a:rPr lang="en-US" smtClean="0"/>
               <a:t>Second level</a:t>
             </a:r>
-            <a:endParaRPr lang="en-US" smtClean="0"/>
           </a:p>
           <a:p>
             <a:pPr lvl="2"/>
@@ -990,7 +983,6 @@
               <a:rPr lang="en-US" smtClean="0"/>
               <a:t>Third level</a:t>
             </a:r>
-            <a:endParaRPr lang="en-US" smtClean="0"/>
           </a:p>
           <a:p>
             <a:pPr lvl="3"/>
@@ -998,7 +990,6 @@
               <a:rPr lang="en-US" smtClean="0"/>
               <a:t>Fourth level</a:t>
             </a:r>
-            <a:endParaRPr lang="en-US" smtClean="0"/>
           </a:p>
           <a:p>
             <a:pPr lvl="4"/>
@@ -1027,6 +1018,7 @@
           <a:p>
             <a:fld id="{FDE934FF-F4E1-47C5-9CA5-30A81DDE2BE4}" type="datetimeFigureOut">
               <a:rPr lang="en-US" smtClean="0"/>
+              <a:t>9/21/2017</a:t>
             </a:fld>
             <a:endParaRPr lang="en-US"/>
           </a:p>
@@ -1068,6 +1060,7 @@
           <a:p>
             <a:fld id="{B3561BA9-CDCF-4958-B8AB-66F3BF063E13}" type="slidenum">
               <a:rPr lang="en-US" smtClean="0"/>
+              <a:t>‹#›</a:t>
             </a:fld>
             <a:endParaRPr lang="en-US"/>
           </a:p>
@@ -1188,7 +1181,6 @@
               <a:rPr lang="en-US" smtClean="0"/>
               <a:t>Click to edit Master text styles</a:t>
             </a:r>
-            <a:endParaRPr lang="en-US" smtClean="0"/>
           </a:p>
         </p:txBody>
       </p:sp>
@@ -1217,7 +1209,6 @@
               <a:rPr lang="en-US" smtClean="0"/>
               <a:t>Click to edit Master text styles</a:t>
             </a:r>
-            <a:endParaRPr lang="en-US" smtClean="0"/>
           </a:p>
           <a:p>
             <a:pPr lvl="1"/>
@@ -1225,7 +1216,6 @@
               <a:rPr lang="en-US" smtClean="0"/>
               <a:t>Second level</a:t>
             </a:r>
-            <a:endParaRPr lang="en-US" smtClean="0"/>
           </a:p>
           <a:p>
             <a:pPr lvl="2"/>
@@ -1233,7 +1223,6 @@
               <a:rPr lang="en-US" smtClean="0"/>
               <a:t>Third level</a:t>
             </a:r>
-            <a:endParaRPr lang="en-US" smtClean="0"/>
           </a:p>
           <a:p>
             <a:pPr lvl="3"/>
@@ -1241,7 +1230,6 @@
               <a:rPr lang="en-US" smtClean="0"/>
               <a:t>Fourth level</a:t>
             </a:r>
-            <a:endParaRPr lang="en-US" smtClean="0"/>
           </a:p>
           <a:p>
             <a:pPr lvl="4"/>
@@ -1315,7 +1303,6 @@
               <a:rPr lang="en-US" smtClean="0"/>
               <a:t>Click to edit Master text styles</a:t>
             </a:r>
-            <a:endParaRPr lang="en-US" smtClean="0"/>
           </a:p>
         </p:txBody>
       </p:sp>
@@ -1344,7 +1331,6 @@
               <a:rPr lang="en-US" smtClean="0"/>
               <a:t>Click to edit Master text styles</a:t>
             </a:r>
-            <a:endParaRPr lang="en-US" smtClean="0"/>
           </a:p>
           <a:p>
             <a:pPr lvl="1"/>
@@ -1352,7 +1338,6 @@
               <a:rPr lang="en-US" smtClean="0"/>
               <a:t>Second level</a:t>
             </a:r>
-            <a:endParaRPr lang="en-US" smtClean="0"/>
           </a:p>
           <a:p>
             <a:pPr lvl="2"/>
@@ -1360,7 +1345,6 @@
               <a:rPr lang="en-US" smtClean="0"/>
               <a:t>Third level</a:t>
             </a:r>
-            <a:endParaRPr lang="en-US" smtClean="0"/>
           </a:p>
           <a:p>
             <a:pPr lvl="3"/>
@@ -1368,7 +1352,6 @@
               <a:rPr lang="en-US" smtClean="0"/>
               <a:t>Fourth level</a:t>
             </a:r>
-            <a:endParaRPr lang="en-US" smtClean="0"/>
           </a:p>
           <a:p>
             <a:pPr lvl="4"/>
@@ -1397,6 +1380,7 @@
           <a:p>
             <a:fld id="{FDE934FF-F4E1-47C5-9CA5-30A81DDE2BE4}" type="datetimeFigureOut">
               <a:rPr lang="en-US" smtClean="0"/>
+              <a:t>9/21/2017</a:t>
             </a:fld>
             <a:endParaRPr lang="en-US"/>
           </a:p>
@@ -1438,6 +1422,7 @@
           <a:p>
             <a:fld id="{B3561BA9-CDCF-4958-B8AB-66F3BF063E13}" type="slidenum">
               <a:rPr lang="en-US" smtClean="0"/>
+              <a:t>‹#›</a:t>
             </a:fld>
             <a:endParaRPr lang="en-US"/>
           </a:p>
@@ -1508,6 +1493,7 @@
           <a:p>
             <a:fld id="{FDE934FF-F4E1-47C5-9CA5-30A81DDE2BE4}" type="datetimeFigureOut">
               <a:rPr lang="en-US" smtClean="0"/>
+              <a:t>9/21/2017</a:t>
             </a:fld>
             <a:endParaRPr lang="en-US"/>
           </a:p>
@@ -1549,6 +1535,7 @@
           <a:p>
             <a:fld id="{B3561BA9-CDCF-4958-B8AB-66F3BF063E13}" type="slidenum">
               <a:rPr lang="en-US" smtClean="0"/>
+              <a:t>‹#›</a:t>
             </a:fld>
             <a:endParaRPr lang="en-US"/>
           </a:p>
@@ -1596,6 +1583,7 @@
           <a:p>
             <a:fld id="{FDE934FF-F4E1-47C5-9CA5-30A81DDE2BE4}" type="datetimeFigureOut">
               <a:rPr lang="en-US" smtClean="0"/>
+              <a:t>9/21/2017</a:t>
             </a:fld>
             <a:endParaRPr lang="en-US"/>
           </a:p>
@@ -1637,6 +1625,7 @@
           <a:p>
             <a:fld id="{B3561BA9-CDCF-4958-B8AB-66F3BF063E13}" type="slidenum">
               <a:rPr lang="en-US" smtClean="0"/>
+              <a:t>‹#›</a:t>
             </a:fld>
             <a:endParaRPr lang="en-US"/>
           </a:p>
@@ -1822,7 +1811,6 @@
               <a:rPr lang="en-US" smtClean="0"/>
               <a:t>Click to edit Master text styles</a:t>
             </a:r>
-            <a:endParaRPr lang="en-US" smtClean="0"/>
           </a:p>
         </p:txBody>
       </p:sp>
@@ -1843,6 +1831,7 @@
           <a:p>
             <a:fld id="{FDE934FF-F4E1-47C5-9CA5-30A81DDE2BE4}" type="datetimeFigureOut">
               <a:rPr lang="en-US" smtClean="0"/>
+              <a:t>9/21/2017</a:t>
             </a:fld>
             <a:endParaRPr lang="en-US"/>
           </a:p>
@@ -1884,6 +1873,7 @@
           <a:p>
             <a:fld id="{B3561BA9-CDCF-4958-B8AB-66F3BF063E13}" type="slidenum">
               <a:rPr lang="en-US" smtClean="0"/>
+              <a:t>‹#›</a:t>
             </a:fld>
             <a:endParaRPr lang="en-US"/>
           </a:p>
@@ -1974,7 +1964,6 @@
               <a:rPr lang="en-US" smtClean="0"/>
               <a:t>Click to edit Master text styles</a:t>
             </a:r>
-            <a:endParaRPr lang="en-US" smtClean="0"/>
           </a:p>
           <a:p>
             <a:pPr lvl="1"/>
@@ -1982,7 +1971,6 @@
               <a:rPr lang="en-US" smtClean="0"/>
               <a:t>Second level</a:t>
             </a:r>
-            <a:endParaRPr lang="en-US" smtClean="0"/>
           </a:p>
           <a:p>
             <a:pPr lvl="2"/>
@@ -1990,7 +1978,6 @@
               <a:rPr lang="en-US" smtClean="0"/>
               <a:t>Third level</a:t>
             </a:r>
-            <a:endParaRPr lang="en-US" smtClean="0"/>
           </a:p>
           <a:p>
             <a:pPr lvl="3"/>
@@ -1998,7 +1985,6 @@
               <a:rPr lang="en-US" smtClean="0"/>
               <a:t>Fourth level</a:t>
             </a:r>
-            <a:endParaRPr lang="en-US" smtClean="0"/>
           </a:p>
           <a:p>
             <a:pPr lvl="4"/>
@@ -2027,6 +2013,7 @@
           <a:p>
             <a:fld id="{FDE934FF-F4E1-47C5-9CA5-30A81DDE2BE4}" type="datetimeFigureOut">
               <a:rPr lang="en-US" smtClean="0"/>
+              <a:t>9/21/2017</a:t>
             </a:fld>
             <a:endParaRPr lang="en-US"/>
           </a:p>
@@ -2068,6 +2055,7 @@
           <a:p>
             <a:fld id="{B3561BA9-CDCF-4958-B8AB-66F3BF063E13}" type="slidenum">
               <a:rPr lang="en-US" smtClean="0"/>
+              <a:t>‹#›</a:t>
             </a:fld>
             <a:endParaRPr lang="en-US"/>
           </a:p>
@@ -2086,7 +2074,11 @@
   <p:cSld>
     <p:bg>
       <p:bgPr>
-        <a:noFill/>
+        <a:solidFill>
+          <a:schemeClr val="bg2">
+            <a:lumMod val="10000"/>
+          </a:schemeClr>
+        </a:solidFill>
         <a:effectLst/>
       </p:bgPr>
     </p:bg>
@@ -2167,7 +2159,6 @@
               <a:rPr lang="en-US" smtClean="0"/>
               <a:t>Click to edit Master text styles</a:t>
             </a:r>
-            <a:endParaRPr lang="en-US" smtClean="0"/>
           </a:p>
           <a:p>
             <a:pPr lvl="1"/>
@@ -2175,7 +2166,6 @@
               <a:rPr lang="en-US" smtClean="0"/>
               <a:t>Second level</a:t>
             </a:r>
-            <a:endParaRPr lang="en-US" smtClean="0"/>
           </a:p>
           <a:p>
             <a:pPr lvl="2"/>
@@ -2183,7 +2173,6 @@
               <a:rPr lang="en-US" smtClean="0"/>
               <a:t>Third level</a:t>
             </a:r>
-            <a:endParaRPr lang="en-US" smtClean="0"/>
           </a:p>
           <a:p>
             <a:pPr lvl="3"/>
@@ -2191,7 +2180,6 @@
               <a:rPr lang="en-US" smtClean="0"/>
               <a:t>Fourth level</a:t>
             </a:r>
-            <a:endParaRPr lang="en-US" smtClean="0"/>
           </a:p>
           <a:p>
             <a:pPr lvl="4"/>
@@ -2239,6 +2227,7 @@
           <a:p>
             <a:fld id="{FDE934FF-F4E1-47C5-9CA5-30A81DDE2BE4}" type="datetimeFigureOut">
               <a:rPr lang="en-US" smtClean="0"/>
+              <a:t>9/21/2017</a:t>
             </a:fld>
             <a:endParaRPr lang="en-US"/>
           </a:p>
@@ -2318,6 +2307,7 @@
           <a:p>
             <a:fld id="{B3561BA9-CDCF-4958-B8AB-66F3BF063E13}" type="slidenum">
               <a:rPr lang="en-US" smtClean="0"/>
+              <a:t>‹#›</a:t>
             </a:fld>
             <a:endParaRPr lang="en-US"/>
           </a:p>
@@ -2630,7 +2620,14 @@
         <p:cNvGrpSpPr/>
         <p:nvPr/>
       </p:nvGrpSpPr>
-      <p:grpSpPr/>
+      <p:grpSpPr>
+        <a:xfrm>
+          <a:off x="0" y="0"/>
+          <a:ext cx="0" cy="0"/>
+          <a:chOff x="0" y="0"/>
+          <a:chExt cx="0" cy="0"/>
+        </a:xfrm>
+      </p:grpSpPr>
       <p:sp>
         <p:nvSpPr>
           <p:cNvPr id="4" name="Text Box 3"/>
@@ -2639,8 +2636,65 @@
         </p:nvSpPr>
         <p:spPr>
           <a:xfrm>
-            <a:off x="840740" y="476250"/>
-            <a:ext cx="2823845" cy="521970"/>
+            <a:off x="0" y="291584"/>
+            <a:ext cx="12192000" cy="369332"/>
+          </a:xfrm>
+          <a:prstGeom prst="rect">
+            <a:avLst/>
+          </a:prstGeom>
+        </p:spPr>
+        <p:style>
+          <a:lnRef idx="0">
+            <a:schemeClr val="accent3"/>
+          </a:lnRef>
+          <a:fillRef idx="3">
+            <a:schemeClr val="accent3"/>
+          </a:fillRef>
+          <a:effectRef idx="3">
+            <a:schemeClr val="accent3"/>
+          </a:effectRef>
+          <a:fontRef idx="minor">
+            <a:schemeClr val="lt1"/>
+          </a:fontRef>
+        </p:style>
+        <p:txBody>
+          <a:bodyPr wrap="square" rtlCol="0">
+            <a:spAutoFit/>
+            <a:scene3d>
+              <a:camera prst="orthographicFront"/>
+              <a:lightRig rig="threePt" dir="t"/>
+            </a:scene3d>
+          </a:bodyPr>
+          <a:lstStyle/>
+          <a:p>
+            <a:r>
+              <a:rPr lang="en-US" b="1" i="1" dirty="0" smtClean="0">
+                <a:solidFill>
+                  <a:schemeClr val="tx1"/>
+                </a:solidFill>
+                <a:latin typeface="Corbel" panose="020B0503020204020204" charset="0"/>
+              </a:rPr>
+              <a:t>Dong's Profile</a:t>
+            </a:r>
+            <a:endParaRPr lang="en-US" b="1" i="1" dirty="0">
+              <a:solidFill>
+                <a:schemeClr val="tx1"/>
+              </a:solidFill>
+              <a:latin typeface="Corbel" panose="020B0503020204020204" charset="0"/>
+            </a:endParaRPr>
+          </a:p>
+        </p:txBody>
+      </p:sp>
+      <p:sp>
+        <p:nvSpPr>
+          <p:cNvPr id="5" name="Text Box 4"/>
+          <p:cNvSpPr txBox="1"/>
+          <p:nvPr/>
+        </p:nvSpPr>
+        <p:spPr>
+          <a:xfrm>
+            <a:off x="974090" y="998220"/>
+            <a:ext cx="5482783" cy="5047536"/>
           </a:xfrm>
           <a:prstGeom prst="rect">
             <a:avLst/>
@@ -2650,80 +2704,23 @@
         <p:txBody>
           <a:bodyPr wrap="none" rtlCol="0">
             <a:spAutoFit/>
-            <a:scene3d>
-              <a:camera prst="orthographicFront"/>
-              <a:lightRig rig="threePt" dir="t"/>
-            </a:scene3d>
           </a:bodyPr>
-          <a:p>
-            <a:r>
-              <a:rPr lang="en-US" sz="2800">
-                <a:solidFill>
-                  <a:schemeClr val="tx1"/>
-                </a:solidFill>
-                <a:effectLst>
-                  <a:outerShdw blurRad="38100" dist="19050" dir="2700000" algn="tl" rotWithShape="0">
-                    <a:schemeClr val="dk1">
-                      <a:alpha val="40000"/>
-                    </a:schemeClr>
-                  </a:outerShdw>
-                </a:effectLst>
-                <a:latin typeface="Corbel" panose="020B0503020204020204" charset="0"/>
-              </a:rPr>
-              <a:t>DONG'S PROFILE</a:t>
-            </a:r>
-            <a:endParaRPr lang="en-US" sz="2800">
-              <a:solidFill>
-                <a:schemeClr val="tx1"/>
-              </a:solidFill>
-              <a:effectLst>
-                <a:outerShdw blurRad="38100" dist="19050" dir="2700000" algn="tl" rotWithShape="0">
-                  <a:schemeClr val="dk1">
-                    <a:alpha val="40000"/>
-                  </a:schemeClr>
-                </a:outerShdw>
-              </a:effectLst>
-              <a:latin typeface="Corbel" panose="020B0503020204020204" charset="0"/>
-            </a:endParaRPr>
-          </a:p>
-        </p:txBody>
-      </p:sp>
-      <p:sp>
-        <p:nvSpPr>
-          <p:cNvPr id="5" name="Text Box 4"/>
-          <p:cNvSpPr txBox="1"/>
-          <p:nvPr/>
-        </p:nvSpPr>
-        <p:spPr>
-          <a:xfrm>
-            <a:off x="974090" y="998220"/>
-            <a:ext cx="5811520" cy="5580380"/>
-          </a:xfrm>
-          <a:prstGeom prst="rect">
-            <a:avLst/>
-          </a:prstGeom>
-          <a:noFill/>
-        </p:spPr>
-        <p:txBody>
-          <a:bodyPr wrap="none" rtlCol="0">
-            <a:spAutoFit/>
-          </a:bodyPr>
+          <a:lstStyle/>
           <a:p>
             <a:pPr marL="342900" indent="-342900" algn="l">
               <a:buFont typeface="Arial" panose="020B0604020202020204" pitchFamily="34" charset="0"/>
               <a:buChar char="•"/>
             </a:pPr>
             <a:r>
-              <a:rPr lang="en-US" i="1">
+              <a:rPr lang="en-US" sz="1600" dirty="0">
+                <a:solidFill>
+                  <a:schemeClr val="bg1"/>
+                </a:solidFill>
                 <a:effectLst/>
                 <a:latin typeface="Corbel" panose="020B0503020204020204" charset="0"/>
               </a:rPr>
               <a:t>ASSESSMENT</a:t>
             </a:r>
-            <a:endParaRPr lang="en-US" i="1">
-              <a:effectLst/>
-              <a:latin typeface="Corbel" panose="020B0503020204020204" charset="0"/>
-            </a:endParaRPr>
           </a:p>
           <a:p>
             <a:pPr marL="800100" lvl="1" indent="-342900" algn="l">
@@ -2731,23 +2728,25 @@
               <a:buChar char="•"/>
             </a:pPr>
             <a:r>
-              <a:rPr lang="en-US" i="1">
+              <a:rPr lang="en-US" sz="1600" dirty="0">
+                <a:solidFill>
+                  <a:schemeClr val="bg1"/>
+                </a:solidFill>
                 <a:effectLst/>
                 <a:latin typeface="Corbel" panose="020B0503020204020204" charset="0"/>
               </a:rPr>
               <a:t>Passionate in 3D Development</a:t>
             </a:r>
-            <a:endParaRPr lang="en-US" i="1">
-              <a:effectLst/>
-              <a:latin typeface="Corbel" panose="020B0503020204020204" charset="0"/>
-            </a:endParaRPr>
           </a:p>
           <a:p>
             <a:pPr marL="800100" lvl="1" indent="-342900" algn="l">
               <a:buFont typeface="Arial" panose="020B0604020202020204" pitchFamily="34" charset="0"/>
               <a:buChar char="•"/>
             </a:pPr>
-            <a:endParaRPr lang="en-US" i="1">
+            <a:endParaRPr lang="en-US" sz="1600" dirty="0">
+              <a:solidFill>
+                <a:schemeClr val="bg1"/>
+              </a:solidFill>
               <a:effectLst/>
               <a:latin typeface="Corbel" panose="020B0503020204020204" charset="0"/>
             </a:endParaRPr>
@@ -2758,16 +2757,15 @@
               <a:buChar char="•"/>
             </a:pPr>
             <a:r>
-              <a:rPr lang="en-US" i="1">
+              <a:rPr lang="en-US" sz="1600" dirty="0">
+                <a:solidFill>
+                  <a:schemeClr val="bg1"/>
+                </a:solidFill>
                 <a:effectLst/>
                 <a:latin typeface="Corbel" panose="020B0503020204020204" charset="0"/>
               </a:rPr>
               <a:t>WORK EXPERIENCE</a:t>
             </a:r>
-            <a:endParaRPr lang="en-US" i="1">
-              <a:effectLst/>
-              <a:latin typeface="Corbel" panose="020B0503020204020204" charset="0"/>
-            </a:endParaRPr>
           </a:p>
           <a:p>
             <a:pPr marL="800100" lvl="1" indent="-342900" algn="l">
@@ -2775,16 +2773,15 @@
               <a:buChar char="•"/>
             </a:pPr>
             <a:r>
-              <a:rPr lang="en-US" i="1">
+              <a:rPr lang="en-US" sz="1600" dirty="0">
+                <a:solidFill>
+                  <a:schemeClr val="bg1"/>
+                </a:solidFill>
                 <a:effectLst/>
                 <a:latin typeface="Corbel" panose="020B0503020204020204" charset="0"/>
               </a:rPr>
               <a:t>Research Lead / Senior Software Developer</a:t>
             </a:r>
-            <a:endParaRPr lang="en-US" i="1">
-              <a:effectLst/>
-              <a:latin typeface="Corbel" panose="020B0503020204020204" charset="0"/>
-            </a:endParaRPr>
           </a:p>
           <a:p>
             <a:pPr marL="800100" lvl="1" indent="-342900" algn="l">
@@ -2792,16 +2789,35 @@
               <a:buChar char="•"/>
             </a:pPr>
             <a:r>
-              <a:rPr lang="en-US" i="1">
+              <a:rPr lang="en-US" sz="1600" dirty="0">
+                <a:solidFill>
+                  <a:schemeClr val="bg1"/>
+                </a:solidFill>
                 <a:effectLst/>
                 <a:latin typeface="Corbel" panose="020B0503020204020204" charset="0"/>
               </a:rPr>
-              <a:t>3D Industry Verterian (10+ Years)</a:t>
-            </a:r>
-            <a:endParaRPr lang="en-US" i="1">
-              <a:effectLst/>
-              <a:latin typeface="Corbel" panose="020B0503020204020204" charset="0"/>
-            </a:endParaRPr>
+              <a:t>3D Industry </a:t>
+            </a:r>
+            <a:r>
+              <a:rPr lang="en-US" sz="1600" dirty="0" err="1">
+                <a:solidFill>
+                  <a:schemeClr val="bg1"/>
+                </a:solidFill>
+                <a:effectLst/>
+                <a:latin typeface="Corbel" panose="020B0503020204020204" charset="0"/>
+              </a:rPr>
+              <a:t>Verterian</a:t>
+            </a:r>
+            <a:r>
+              <a:rPr lang="en-US" sz="1600" dirty="0">
+                <a:solidFill>
+                  <a:schemeClr val="bg1"/>
+                </a:solidFill>
+                <a:effectLst/>
+                <a:latin typeface="Corbel" panose="020B0503020204020204" charset="0"/>
+              </a:rPr>
+              <a:t> (10+ Years)</a:t>
+            </a:r>
           </a:p>
           <a:p>
             <a:pPr marL="1257300" lvl="2" indent="-342900" algn="l">
@@ -2809,16 +2825,15 @@
               <a:buChar char="•"/>
             </a:pPr>
             <a:r>
-              <a:rPr lang="en-US" i="1">
+              <a:rPr lang="en-US" sz="1600" dirty="0">
+                <a:solidFill>
+                  <a:schemeClr val="bg1"/>
+                </a:solidFill>
                 <a:effectLst/>
                 <a:latin typeface="Corbel" panose="020B0503020204020204" charset="0"/>
               </a:rPr>
               <a:t>CAD (Siemens PLM NX, SolidWorks, CATIA,...)</a:t>
             </a:r>
-            <a:endParaRPr lang="en-US" i="1">
-              <a:effectLst/>
-              <a:latin typeface="Corbel" panose="020B0503020204020204" charset="0"/>
-            </a:endParaRPr>
           </a:p>
           <a:p>
             <a:pPr marL="1257300" lvl="2" indent="-342900" algn="l">
@@ -2826,16 +2841,35 @@
               <a:buChar char="•"/>
             </a:pPr>
             <a:r>
-              <a:rPr lang="en-US" i="1">
+              <a:rPr lang="en-US" sz="1600" dirty="0">
+                <a:solidFill>
+                  <a:schemeClr val="bg1"/>
+                </a:solidFill>
                 <a:effectLst/>
                 <a:latin typeface="Corbel" panose="020B0503020204020204" charset="0"/>
               </a:rPr>
-              <a:t>CAE (Fluent, Comsol, Forming Suite,...)</a:t>
-            </a:r>
-            <a:endParaRPr lang="en-US" i="1">
-              <a:effectLst/>
-              <a:latin typeface="Corbel" panose="020B0503020204020204" charset="0"/>
-            </a:endParaRPr>
+              <a:t>CAE (Fluent, </a:t>
+            </a:r>
+            <a:r>
+              <a:rPr lang="en-US" sz="1600" dirty="0" err="1">
+                <a:solidFill>
+                  <a:schemeClr val="bg1"/>
+                </a:solidFill>
+                <a:effectLst/>
+                <a:latin typeface="Corbel" panose="020B0503020204020204" charset="0"/>
+              </a:rPr>
+              <a:t>Comsol</a:t>
+            </a:r>
+            <a:r>
+              <a:rPr lang="en-US" sz="1600" dirty="0">
+                <a:solidFill>
+                  <a:schemeClr val="bg1"/>
+                </a:solidFill>
+                <a:effectLst/>
+                <a:latin typeface="Corbel" panose="020B0503020204020204" charset="0"/>
+              </a:rPr>
+              <a:t>, Forming Suite,...)</a:t>
+            </a:r>
           </a:p>
           <a:p>
             <a:pPr marL="800100" lvl="1" indent="-342900" algn="l">
@@ -2843,16 +2877,15 @@
               <a:buChar char="•"/>
             </a:pPr>
             <a:r>
-              <a:rPr lang="en-US" i="1">
+              <a:rPr lang="en-US" sz="1600" dirty="0">
+                <a:solidFill>
+                  <a:schemeClr val="bg1"/>
+                </a:solidFill>
                 <a:effectLst/>
                 <a:latin typeface="Corbel" panose="020B0503020204020204" charset="0"/>
               </a:rPr>
               <a:t>Skills in Geometry, Graphics and Computing</a:t>
             </a:r>
-            <a:endParaRPr lang="en-US" i="1">
-              <a:effectLst/>
-              <a:latin typeface="Corbel" panose="020B0503020204020204" charset="0"/>
-            </a:endParaRPr>
           </a:p>
           <a:p>
             <a:pPr marL="1257300" lvl="2" indent="-342900" algn="l">
@@ -2860,16 +2893,15 @@
               <a:buChar char="•"/>
             </a:pPr>
             <a:r>
-              <a:rPr lang="en-US" i="1">
+              <a:rPr lang="en-US" sz="1600" dirty="0">
+                <a:solidFill>
+                  <a:schemeClr val="bg1"/>
+                </a:solidFill>
                 <a:effectLst/>
                 <a:latin typeface="Corbel" panose="020B0503020204020204" charset="0"/>
               </a:rPr>
               <a:t>Geometry Processing</a:t>
             </a:r>
-            <a:endParaRPr lang="en-US" i="1">
-              <a:effectLst/>
-              <a:latin typeface="Corbel" panose="020B0503020204020204" charset="0"/>
-            </a:endParaRPr>
           </a:p>
           <a:p>
             <a:pPr marL="1257300" lvl="2" indent="-342900" algn="l">
@@ -2877,14 +2909,20 @@
               <a:buChar char="•"/>
             </a:pPr>
             <a:r>
-              <a:rPr lang="en-US" i="1">
+              <a:rPr lang="en-US" sz="1600" dirty="0">
+                <a:solidFill>
+                  <a:schemeClr val="bg1"/>
+                </a:solidFill>
                 <a:effectLst/>
                 <a:latin typeface="Corbel" panose="020B0503020204020204" charset="0"/>
                 <a:sym typeface="+mn-ea"/>
               </a:rPr>
               <a:t>Computational Geometry</a:t>
             </a:r>
-            <a:endParaRPr lang="en-US" i="1">
+            <a:endParaRPr lang="en-US" sz="1600" dirty="0">
+              <a:solidFill>
+                <a:schemeClr val="bg1"/>
+              </a:solidFill>
               <a:effectLst/>
               <a:latin typeface="Corbel" panose="020B0503020204020204" charset="0"/>
             </a:endParaRPr>
@@ -2895,16 +2933,15 @@
               <a:buChar char="•"/>
             </a:pPr>
             <a:r>
-              <a:rPr lang="en-US" i="1">
+              <a:rPr lang="en-US" sz="1600" dirty="0">
+                <a:solidFill>
+                  <a:schemeClr val="bg1"/>
+                </a:solidFill>
                 <a:effectLst/>
                 <a:latin typeface="Corbel" panose="020B0503020204020204" charset="0"/>
               </a:rPr>
               <a:t>Computer Graphics</a:t>
             </a:r>
-            <a:endParaRPr lang="en-US" i="1">
-              <a:effectLst/>
-              <a:latin typeface="Corbel" panose="020B0503020204020204" charset="0"/>
-            </a:endParaRPr>
           </a:p>
           <a:p>
             <a:pPr marL="1257300" lvl="2" indent="-342900" algn="l">
@@ -2912,16 +2949,15 @@
               <a:buChar char="•"/>
             </a:pPr>
             <a:r>
-              <a:rPr lang="en-US" i="1">
+              <a:rPr lang="en-US" sz="1600" dirty="0">
+                <a:solidFill>
+                  <a:schemeClr val="bg1"/>
+                </a:solidFill>
                 <a:effectLst/>
                 <a:latin typeface="Corbel" panose="020B0503020204020204" charset="0"/>
               </a:rPr>
               <a:t>Computer Vision</a:t>
             </a:r>
-            <a:endParaRPr lang="en-US" i="1">
-              <a:effectLst/>
-              <a:latin typeface="Corbel" panose="020B0503020204020204" charset="0"/>
-            </a:endParaRPr>
           </a:p>
           <a:p>
             <a:pPr marL="1257300" lvl="2" indent="-342900" algn="l">
@@ -2929,23 +2965,25 @@
               <a:buChar char="•"/>
             </a:pPr>
             <a:r>
-              <a:rPr lang="en-US" i="1">
+              <a:rPr lang="en-US" sz="1600" dirty="0">
+                <a:solidFill>
+                  <a:schemeClr val="bg1"/>
+                </a:solidFill>
                 <a:effectLst/>
                 <a:latin typeface="Corbel" panose="020B0503020204020204" charset="0"/>
               </a:rPr>
               <a:t>Artificial Intelligence</a:t>
             </a:r>
-            <a:endParaRPr lang="en-US" i="1">
-              <a:effectLst/>
-              <a:latin typeface="Corbel" panose="020B0503020204020204" charset="0"/>
-            </a:endParaRPr>
           </a:p>
           <a:p>
             <a:pPr marL="800100" lvl="1" indent="-342900" algn="l">
               <a:buFont typeface="Arial" panose="020B0604020202020204" pitchFamily="34" charset="0"/>
               <a:buChar char="•"/>
             </a:pPr>
-            <a:endParaRPr lang="en-US" i="1">
+            <a:endParaRPr lang="en-US" sz="1600" dirty="0">
+              <a:solidFill>
+                <a:schemeClr val="bg1"/>
+              </a:solidFill>
               <a:effectLst/>
               <a:latin typeface="Corbel" panose="020B0503020204020204" charset="0"/>
             </a:endParaRPr>
@@ -2956,16 +2994,15 @@
               <a:buChar char="•"/>
             </a:pPr>
             <a:r>
-              <a:rPr lang="en-US" i="1">
+              <a:rPr lang="en-US" sz="1600" dirty="0">
+                <a:solidFill>
+                  <a:schemeClr val="bg1"/>
+                </a:solidFill>
                 <a:effectLst/>
                 <a:latin typeface="Corbel" panose="020B0503020204020204" charset="0"/>
               </a:rPr>
               <a:t>EDUCATION</a:t>
             </a:r>
-            <a:endParaRPr lang="en-US" i="1">
-              <a:effectLst/>
-              <a:latin typeface="Corbel" panose="020B0503020204020204" charset="0"/>
-            </a:endParaRPr>
           </a:p>
           <a:p>
             <a:pPr marL="800100" lvl="1" indent="-342900" algn="l">
@@ -2973,16 +3010,15 @@
               <a:buChar char="•"/>
             </a:pPr>
             <a:r>
-              <a:rPr lang="en-US" i="1">
+              <a:rPr lang="en-US" sz="1600" dirty="0">
+                <a:solidFill>
+                  <a:schemeClr val="bg1"/>
+                </a:solidFill>
                 <a:effectLst/>
                 <a:latin typeface="Corbel" panose="020B0503020204020204" charset="0"/>
               </a:rPr>
               <a:t>Ph.D. , Mechanical Engineering, University of Calgary</a:t>
             </a:r>
-            <a:endParaRPr lang="en-US" i="1">
-              <a:effectLst/>
-              <a:latin typeface="Corbel" panose="020B0503020204020204" charset="0"/>
-            </a:endParaRPr>
           </a:p>
           <a:p>
             <a:pPr marL="800100" lvl="1" indent="-342900" algn="l">
@@ -2990,16 +3026,45 @@
               <a:buChar char="•"/>
             </a:pPr>
             <a:r>
-              <a:rPr lang="en-US" i="1">
+              <a:rPr lang="en-US" sz="1600" dirty="0" err="1">
+                <a:solidFill>
+                  <a:schemeClr val="bg1"/>
+                </a:solidFill>
                 <a:effectLst/>
                 <a:latin typeface="Corbel" panose="020B0503020204020204" charset="0"/>
               </a:rPr>
-              <a:t>M.Sc,   Automotive Engineering, Tongji University</a:t>
-            </a:r>
-            <a:endParaRPr lang="en-US" i="1">
-              <a:effectLst/>
-              <a:latin typeface="Corbel" panose="020B0503020204020204" charset="0"/>
-            </a:endParaRPr>
+              <a:t>M.Sc</a:t>
+            </a:r>
+            <a:r>
+              <a:rPr lang="en-US" sz="1600" dirty="0">
+                <a:solidFill>
+                  <a:schemeClr val="bg1"/>
+                </a:solidFill>
+                <a:effectLst/>
+                <a:latin typeface="Corbel" panose="020B0503020204020204" charset="0"/>
+              </a:rPr>
+              <a:t>,   Automotive Engineering, </a:t>
+            </a:r>
+            <a:r>
+              <a:rPr lang="en-US" sz="1600" dirty="0" err="1">
+                <a:solidFill>
+                  <a:schemeClr val="bg1"/>
+                </a:solidFill>
+                <a:effectLst/>
+                <a:latin typeface="Corbel" panose="020B0503020204020204" charset="0"/>
+              </a:rPr>
+              <a:t>Tongji</a:t>
+            </a:r>
+            <a:r>
+              <a:rPr lang="en-US" sz="1600" dirty="0">
+                <a:solidFill>
+                  <a:schemeClr val="bg1"/>
+                </a:solidFill>
+                <a:effectLst/>
+                <a:latin typeface="Corbel" panose="020B0503020204020204" charset="0"/>
+              </a:rPr>
+              <a:t> University</a:t>
+            </a:r>
           </a:p>
           <a:p>
             <a:pPr marL="800100" lvl="1" indent="-342900" algn="l">
@@ -3007,23 +3072,56 @@
               <a:buChar char="•"/>
             </a:pPr>
             <a:r>
-              <a:rPr lang="en-US" i="1">
+              <a:rPr lang="en-US" sz="1600" dirty="0" err="1">
+                <a:solidFill>
+                  <a:schemeClr val="bg1"/>
+                </a:solidFill>
                 <a:effectLst/>
                 <a:latin typeface="Corbel" panose="020B0503020204020204" charset="0"/>
               </a:rPr>
-              <a:t>B.Sc,    Automotive Engineering, Tongji University</a:t>
-            </a:r>
-            <a:endParaRPr lang="en-US" i="1">
-              <a:effectLst/>
-              <a:latin typeface="Corbel" panose="020B0503020204020204" charset="0"/>
-            </a:endParaRPr>
+              <a:t>B.Sc</a:t>
+            </a:r>
+            <a:r>
+              <a:rPr lang="en-US" sz="1600" dirty="0">
+                <a:solidFill>
+                  <a:schemeClr val="bg1"/>
+                </a:solidFill>
+                <a:effectLst/>
+                <a:latin typeface="Corbel" panose="020B0503020204020204" charset="0"/>
+              </a:rPr>
+              <a:t>,    Automotive Engineering, </a:t>
+            </a:r>
+            <a:r>
+              <a:rPr lang="en-US" sz="1600" dirty="0" err="1">
+                <a:solidFill>
+                  <a:schemeClr val="bg1"/>
+                </a:solidFill>
+                <a:effectLst/>
+                <a:latin typeface="Corbel" panose="020B0503020204020204" charset="0"/>
+              </a:rPr>
+              <a:t>Tongji</a:t>
+            </a:r>
+            <a:r>
+              <a:rPr lang="en-US" sz="1600" dirty="0">
+                <a:solidFill>
+                  <a:schemeClr val="bg1"/>
+                </a:solidFill>
+                <a:effectLst/>
+                <a:latin typeface="Corbel" panose="020B0503020204020204" charset="0"/>
+              </a:rPr>
+              <a:t> University</a:t>
+            </a:r>
           </a:p>
           <a:p>
             <a:pPr marL="800100" lvl="1" indent="-342900" algn="l">
               <a:buFont typeface="Arial" panose="020B0604020202020204" pitchFamily="34" charset="0"/>
               <a:buChar char="•"/>
             </a:pPr>
-            <a:endParaRPr lang="en-US"/>
+            <a:endParaRPr lang="en-US" dirty="0">
+              <a:solidFill>
+                <a:schemeClr val="bg1"/>
+              </a:solidFill>
+            </a:endParaRPr>
           </a:p>
         </p:txBody>
       </p:sp>
@@ -3036,14 +3134,14 @@
           <p:nvPr/>
         </p:nvPicPr>
         <p:blipFill>
-          <a:blip r:embed="rId1"/>
+          <a:blip r:embed="rId2"/>
           <a:stretch>
             <a:fillRect/>
           </a:stretch>
         </p:blipFill>
         <p:spPr>
           <a:xfrm>
-            <a:off x="9702800" y="476250"/>
+            <a:off x="9889067" y="998220"/>
             <a:ext cx="1819275" cy="2085975"/>
           </a:xfrm>
           <a:prstGeom prst="rect">
@@ -3070,34 +3168,34 @@
         <a:sysClr val="window" lastClr="FFFFFF"/>
       </a:lt1>
       <a:dk2>
-        <a:srgbClr val="44546A"/>
+        <a:srgbClr val="1F497D"/>
       </a:dk2>
       <a:lt2>
-        <a:srgbClr val="E7E6E6"/>
+        <a:srgbClr val="EEECE1"/>
       </a:lt2>
       <a:accent1>
-        <a:srgbClr val="5B9BD5"/>
+        <a:srgbClr val="4F81BD"/>
       </a:accent1>
       <a:accent2>
-        <a:srgbClr val="ED7D31"/>
+        <a:srgbClr val="C0504D"/>
       </a:accent2>
       <a:accent3>
-        <a:srgbClr val="A5A5A5"/>
+        <a:srgbClr val="9BBB59"/>
       </a:accent3>
       <a:accent4>
-        <a:srgbClr val="FFC000"/>
+        <a:srgbClr val="8064A2"/>
       </a:accent4>
       <a:accent5>
-        <a:srgbClr val="4472C4"/>
+        <a:srgbClr val="4BACC6"/>
       </a:accent5>
       <a:accent6>
-        <a:srgbClr val="70AD47"/>
+        <a:srgbClr val="F79646"/>
       </a:accent6>
       <a:hlink>
-        <a:srgbClr val="0563C1"/>
+        <a:srgbClr val="0000FF"/>
       </a:hlink>
       <a:folHlink>
-        <a:srgbClr val="954F72"/>
+        <a:srgbClr val="800080"/>
       </a:folHlink>
     </a:clrScheme>
     <a:fontScheme name="Office">
@@ -3310,9 +3408,11 @@
       </a:bgFillStyleLst>
     </a:fmtScheme>
   </a:themeElements>
+  <a:objectDefaults/>
+  <a:extraClrSchemeLst/>
   <a:extLst>
     <a:ext uri="{05A4C25C-085E-4340-85A3-A5531E510DB2}">
-      <thm15:themeFamily xmlns:thm15="http://schemas.microsoft.com/office/thememl/2012/main" name="Office Theme" id="{62F939B6-93AF-4DB8-9C6B-D6C7DFDC589F}" vid="{4A3C46E8-61CC-4603-A589-7422A47A8E4A}"/>
+      <thm15:themeFamily xmlns="" xmlns:thm15="http://schemas.microsoft.com/office/thememl/2012/main" name="Office Theme" id="{62F939B6-93AF-4DB8-9C6B-D6C7DFDC589F}" vid="{4A3C46E8-61CC-4603-A589-7422A47A8E4A}"/>
     </a:ext>
   </a:extLst>
 </a:theme>
